--- a/spring13/slides13/ran-vars-mutual-indep.pptx
+++ b/spring13/slides13/ran-vars-mutual-indep.pptx
@@ -2235,6 +2235,13 @@
   <p:clrMapOvr>
     <a:masterClrMapping/>
   </p:clrMapOvr>
+  <p:timing>
+    <p:tnLst>
+      <p:par>
+        <p:cTn xmlns:p14="http://schemas.microsoft.com/office/powerpoint/2010/main" id="1" dur="indefinite" restart="never" nodeType="tmRoot"/>
+      </p:par>
+    </p:tnLst>
+  </p:timing>
 </p:sldLayout>
 </file>
 
@@ -2328,6 +2335,13 @@
   <p:clrMapOvr>
     <a:masterClrMapping/>
   </p:clrMapOvr>
+  <p:timing>
+    <p:tnLst>
+      <p:par>
+        <p:cTn xmlns:p14="http://schemas.microsoft.com/office/powerpoint/2010/main" id="1" dur="indefinite" restart="never" nodeType="tmRoot"/>
+      </p:par>
+    </p:tnLst>
+  </p:timing>
 </p:sldLayout>
 </file>
 
@@ -2394,6 +2408,13 @@
   <p:clrMapOvr>
     <a:masterClrMapping/>
   </p:clrMapOvr>
+  <p:timing>
+    <p:tnLst>
+      <p:par>
+        <p:cTn xmlns:p14="http://schemas.microsoft.com/office/powerpoint/2010/main" id="1" dur="indefinite" restart="never" nodeType="tmRoot"/>
+      </p:par>
+    </p:tnLst>
+  </p:timing>
 </p:sldLayout>
 </file>
 
@@ -3289,11 +3310,11 @@
   <p:clrMapOvr>
     <a:masterClrMapping/>
   </p:clrMapOvr>
-  <mc:AlternateContent xmlns:mc="http://schemas.openxmlformats.org/markup-compatibility/2006">
-    <mc:Choice xmlns:p14="http://schemas.microsoft.com/office/powerpoint/2010/main" Requires="p14">
+  <mc:AlternateContent xmlns:mc="http://schemas.openxmlformats.org/markup-compatibility/2006" xmlns:p14="http://schemas.microsoft.com/office/powerpoint/2010/main">
+    <mc:Choice Requires="p14">
       <p:transition p14:dur="0" advClick="0"/>
     </mc:Choice>
-    <mc:Fallback>
+    <mc:Fallback xmlns="">
       <p:transition xmlns:p14="http://schemas.microsoft.com/office/powerpoint/2010/main" advClick="0"/>
     </mc:Fallback>
   </mc:AlternateContent>
@@ -3726,7 +3747,7 @@
       </p:sp>
       <p:sp>
         <p:nvSpPr>
-          <p:cNvPr id="4" name="Slide Number Placeholder 3"/>
+          <p:cNvPr id="5" name="Slide Number Placeholder 3"/>
           <p:cNvSpPr>
             <a:spLocks noGrp="1"/>
           </p:cNvSpPr>
@@ -3736,8 +3757,8 @@
         </p:nvSpPr>
         <p:spPr>
           <a:xfrm>
-            <a:off x="7950194" y="6600092"/>
-            <a:ext cx="1125415" cy="257907"/>
+            <a:off x="7378700" y="6604000"/>
+            <a:ext cx="1696909" cy="215899"/>
           </a:xfrm>
           <a:prstGeom prst="rect">
             <a:avLst/>
@@ -4046,7 +4067,7 @@
                             </p:stCondLst>
                             <p:childTnLst>
                               <p:par>
-                                <p:cTn id="5" presetID="9" presetClass="entr" presetSubtype="0" fill="hold" nodeType="clickEffect">
+                                <p:cTn id="5" presetID="10" presetClass="entr" presetSubtype="0" fill="hold" nodeType="clickEffect">
                                   <p:stCondLst>
                                     <p:cond delay="0"/>
                                   </p:stCondLst>
@@ -4073,7 +4094,7 @@
                                         <p:strVal val="visible"/>
                                       </p:to>
                                     </p:set>
-                                    <p:animEffect transition="in" filter="dissolve">
+                                    <p:animEffect transition="in" filter="fade">
                                       <p:cBhvr>
                                         <p:cTn id="7" dur="500"/>
                                         <p:tgtEl>
@@ -4410,8 +4431,12 @@
           <a:p>
             <a:pPr algn="ctr" eaLnBrk="1" hangingPunct="1"/>
             <a:r>
+              <a:rPr lang="en-US" sz="3600" dirty="0" err="1" smtClean="0"/>
+              <a:t>Pr</a:t>
+            </a:r>
+            <a:r>
               <a:rPr lang="en-US" sz="3600" dirty="0" smtClean="0"/>
-              <a:t>Pr{</a:t>
+              <a:t>[</a:t>
             </a:r>
             <a:r>
               <a:rPr lang="en-US" sz="3600" dirty="0" smtClean="0">
@@ -4455,7 +4480,11 @@
             </a:r>
             <a:r>
               <a:rPr lang="en-US" sz="3600" dirty="0" smtClean="0"/>
-              <a:t>} = </a:t>
+              <a:t>] </a:t>
+            </a:r>
+            <a:r>
+              <a:rPr lang="en-US" sz="3600" dirty="0" smtClean="0"/>
+              <a:t>= </a:t>
             </a:r>
             <a:r>
               <a:rPr lang="en-US" sz="3600" dirty="0" smtClean="0">
@@ -4467,7 +4496,15 @@
             </a:r>
             <a:r>
               <a:rPr lang="en-US" sz="3600" dirty="0" smtClean="0"/>
-              <a:t> = Pr{</a:t>
+              <a:t> = </a:t>
+            </a:r>
+            <a:r>
+              <a:rPr lang="en-US" sz="3600" dirty="0" err="1" smtClean="0"/>
+              <a:t>Pr</a:t>
+            </a:r>
+            <a:r>
+              <a:rPr lang="en-US" sz="3600" dirty="0" smtClean="0"/>
+              <a:t>[</a:t>
             </a:r>
             <a:r>
               <a:rPr lang="en-US" sz="3600" dirty="0" smtClean="0">
@@ -4479,7 +4516,15 @@
             </a:r>
             <a:r>
               <a:rPr lang="en-US" sz="3600" dirty="0" smtClean="0"/>
-              <a:t>=0}, etc.</a:t>
+              <a:t>=</a:t>
+            </a:r>
+            <a:r>
+              <a:rPr lang="en-US" sz="3600" dirty="0" smtClean="0"/>
+              <a:t>0], </a:t>
+            </a:r>
+            <a:r>
+              <a:rPr lang="en-US" sz="3600" dirty="0" smtClean="0"/>
+              <a:t>etc.</a:t>
             </a:r>
           </a:p>
           <a:p>
@@ -4796,7 +4841,7 @@
                             </p:stCondLst>
                             <p:childTnLst>
                               <p:par>
-                                <p:cTn id="20" presetID="9" presetClass="entr" presetSubtype="0" fill="hold" grpId="0" nodeType="clickEffect">
+                                <p:cTn id="20" presetID="10" presetClass="entr" presetSubtype="0" fill="hold" grpId="0" nodeType="clickEffect">
                                   <p:stCondLst>
                                     <p:cond delay="0"/>
                                   </p:stCondLst>
@@ -4823,7 +4868,7 @@
                                         <p:strVal val="visible"/>
                                       </p:to>
                                     </p:set>
-                                    <p:animEffect transition="in" filter="dissolve">
+                                    <p:animEffect transition="in" filter="fade">
                                       <p:cBhvr>
                                         <p:cTn id="22" dur="500"/>
                                         <p:tgtEl>
@@ -4857,7 +4902,7 @@
                             </p:stCondLst>
                             <p:childTnLst>
                               <p:par>
-                                <p:cTn id="25" presetID="9" presetClass="entr" presetSubtype="0" fill="hold" grpId="0" nodeType="clickEffect">
+                                <p:cTn id="25" presetID="10" presetClass="entr" presetSubtype="0" fill="hold" grpId="0" nodeType="clickEffect">
                                   <p:stCondLst>
                                     <p:cond delay="0"/>
                                   </p:stCondLst>
@@ -4884,7 +4929,7 @@
                                         <p:strVal val="visible"/>
                                       </p:to>
                                     </p:set>
-                                    <p:animEffect transition="in" filter="dissolve">
+                                    <p:animEffect transition="in" filter="fade">
                                       <p:cBhvr>
                                         <p:cTn id="27" dur="500"/>
                                         <p:tgtEl>
@@ -4918,7 +4963,7 @@
                             </p:stCondLst>
                             <p:childTnLst>
                               <p:par>
-                                <p:cTn id="30" presetID="9" presetClass="entr" presetSubtype="0" fill="hold" grpId="0" nodeType="clickEffect">
+                                <p:cTn id="30" presetID="10" presetClass="entr" presetSubtype="0" fill="hold" grpId="0" nodeType="clickEffect">
                                   <p:stCondLst>
                                     <p:cond delay="0"/>
                                   </p:stCondLst>
@@ -4945,7 +4990,7 @@
                                         <p:strVal val="visible"/>
                                       </p:to>
                                     </p:set>
-                                    <p:animEffect transition="in" filter="dissolve">
+                                    <p:animEffect transition="in" filter="fade">
                                       <p:cBhvr>
                                         <p:cTn id="32" dur="500"/>
                                         <p:tgtEl>
@@ -4970,7 +5015,7 @@
                             </p:stCondLst>
                             <p:childTnLst>
                               <p:par>
-                                <p:cTn id="34" presetID="9" presetClass="entr" presetSubtype="0" fill="hold" grpId="0" nodeType="afterEffect">
+                                <p:cTn id="34" presetID="10" presetClass="entr" presetSubtype="0" fill="hold" grpId="0" nodeType="afterEffect">
                                   <p:stCondLst>
                                     <p:cond delay="0"/>
                                   </p:stCondLst>
@@ -4997,7 +5042,7 @@
                                         <p:strVal val="visible"/>
                                       </p:to>
                                     </p:set>
-                                    <p:animEffect transition="in" filter="dissolve">
+                                    <p:animEffect transition="in" filter="fade">
                                       <p:cBhvr>
                                         <p:cTn id="36" dur="500"/>
                                         <p:tgtEl>
@@ -5013,7 +5058,7 @@
                                 </p:cTn>
                               </p:par>
                               <p:par>
-                                <p:cTn id="37" presetID="9" presetClass="entr" presetSubtype="0" fill="hold" grpId="0" nodeType="withEffect">
+                                <p:cTn id="37" presetID="10" presetClass="entr" presetSubtype="0" fill="hold" grpId="0" nodeType="withEffect">
                                   <p:stCondLst>
                                     <p:cond delay="0"/>
                                   </p:stCondLst>
@@ -5040,7 +5085,7 @@
                                         <p:strVal val="visible"/>
                                       </p:to>
                                     </p:set>
-                                    <p:animEffect transition="in" filter="dissolve">
+                                    <p:animEffect transition="in" filter="fade">
                                       <p:cBhvr>
                                         <p:cTn id="39" dur="500"/>
                                         <p:tgtEl>
@@ -5611,13 +5656,13 @@
   <p:clrMapOvr>
     <a:masterClrMapping/>
   </p:clrMapOvr>
-  <mc:AlternateContent xmlns:mc="http://schemas.openxmlformats.org/markup-compatibility/2006">
-    <mc:Choice xmlns:p14="http://schemas.microsoft.com/office/powerpoint/2010/main" Requires="p14">
+  <mc:AlternateContent xmlns:mc="http://schemas.openxmlformats.org/markup-compatibility/2006" xmlns:p14="http://schemas.microsoft.com/office/powerpoint/2010/main">
+    <mc:Choice Requires="p14">
       <p:transition spd="slow" p14:dur="800" advClick="0">
         <p:fade/>
       </p:transition>
     </mc:Choice>
-    <mc:Fallback>
+    <mc:Fallback xmlns="">
       <p:transition xmlns:p14="http://schemas.microsoft.com/office/powerpoint/2010/main" spd="slow" advClick="0">
         <p:fade/>
       </p:transition>
@@ -5644,7 +5689,7 @@
                             </p:stCondLst>
                             <p:childTnLst>
                               <p:par>
-                                <p:cTn id="5" presetID="9" presetClass="entr" presetSubtype="0" fill="hold" grpId="0" nodeType="clickEffect">
+                                <p:cTn id="5" presetID="22" presetClass="entr" presetSubtype="8" fill="hold" grpId="0" nodeType="clickEffect">
                                   <p:stCondLst>
                                     <p:cond delay="0"/>
                                   </p:stCondLst>
@@ -5671,9 +5716,9 @@
                                         <p:strVal val="visible"/>
                                       </p:to>
                                     </p:set>
-                                    <p:animEffect transition="in" filter="dissolve">
+                                    <p:animEffect transition="in" filter="wipe(left)">
                                       <p:cBhvr>
-                                        <p:cTn id="7" dur="500"/>
+                                        <p:cTn id="7" dur="1000"/>
                                         <p:tgtEl>
                                           <p:spTgt spid="149507">
                                             <p:txEl>
@@ -5687,7 +5732,7 @@
                                 </p:cTn>
                               </p:par>
                               <p:par>
-                                <p:cTn id="8" presetID="9" presetClass="entr" presetSubtype="0" fill="hold" grpId="0" nodeType="withEffect">
+                                <p:cTn id="8" presetID="10" presetClass="entr" presetSubtype="0" fill="hold" grpId="0" nodeType="withEffect">
                                   <p:stCondLst>
                                     <p:cond delay="0"/>
                                   </p:stCondLst>
@@ -5714,7 +5759,7 @@
                                         <p:strVal val="visible"/>
                                       </p:to>
                                     </p:set>
-                                    <p:animEffect transition="in" filter="dissolve">
+                                    <p:animEffect transition="in" filter="fade">
                                       <p:cBhvr>
                                         <p:cTn id="10" dur="500"/>
                                         <p:tgtEl>
@@ -5735,11 +5780,11 @@
                         <p:par>
                           <p:cTn id="11" fill="hold">
                             <p:stCondLst>
-                              <p:cond delay="500"/>
+                              <p:cond delay="1000"/>
                             </p:stCondLst>
                             <p:childTnLst>
                               <p:par>
-                                <p:cTn id="12" presetID="9" presetClass="entr" presetSubtype="0" fill="hold" grpId="0" nodeType="afterEffect">
+                                <p:cTn id="12" presetID="10" presetClass="entr" presetSubtype="0" fill="hold" grpId="0" nodeType="afterEffect">
                                   <p:stCondLst>
                                     <p:cond delay="0"/>
                                   </p:stCondLst>
@@ -5766,7 +5811,7 @@
                                         <p:strVal val="visible"/>
                                       </p:to>
                                     </p:set>
-                                    <p:animEffect transition="in" filter="dissolve">
+                                    <p:animEffect transition="in" filter="fade">
                                       <p:cBhvr>
                                         <p:cTn id="14" dur="500"/>
                                         <p:tgtEl>
@@ -5939,7 +5984,7 @@
             </a:r>
             <a:r>
               <a:rPr lang="en-US" sz="6000" dirty="0" smtClean="0"/>
-              <a:t>{</a:t>
+              <a:t>[</a:t>
             </a:r>
             <a:r>
               <a:rPr lang="en-US" sz="6000" dirty="0" smtClean="0">
@@ -6138,8 +6183,9 @@
             </a:r>
             <a:r>
               <a:rPr lang="en-US" sz="6000" dirty="0" smtClean="0"/>
-              <a:t>}</a:t>
-            </a:r>
+              <a:t>]</a:t>
+            </a:r>
+            <a:endParaRPr lang="en-US" sz="6000" dirty="0" smtClean="0"/>
           </a:p>
           <a:p>
             <a:pPr eaLnBrk="1" hangingPunct="1">
@@ -6163,7 +6209,15 @@
             </a:r>
             <a:r>
               <a:rPr lang="en-US" sz="6000" dirty="0" smtClean="0"/>
-              <a:t> Pr{</a:t>
+              <a:t> </a:t>
+            </a:r>
+            <a:r>
+              <a:rPr lang="en-US" sz="6000" dirty="0" err="1" smtClean="0"/>
+              <a:t>Pr</a:t>
+            </a:r>
+            <a:r>
+              <a:rPr lang="en-US" sz="6000" dirty="0" smtClean="0"/>
+              <a:t>[</a:t>
             </a:r>
             <a:r>
               <a:rPr lang="en-US" sz="6000" dirty="0" smtClean="0">
@@ -6215,8 +6269,12 @@
               <a:t>·</a:t>
             </a:r>
             <a:r>
+              <a:rPr lang="en-US" sz="6000" dirty="0" err="1" smtClean="0"/>
+              <a:t>Pr</a:t>
+            </a:r>
+            <a:r>
               <a:rPr lang="en-US" sz="6000" dirty="0" smtClean="0"/>
-              <a:t>Pr{</a:t>
+              <a:t>[</a:t>
             </a:r>
             <a:r>
               <a:rPr lang="en-US" sz="6000" dirty="0" smtClean="0">
@@ -6256,7 +6314,7 @@
             </a:r>
             <a:r>
               <a:rPr lang="en-US" sz="6000" dirty="0" smtClean="0"/>
-              <a:t>}</a:t>
+              <a:t>]</a:t>
             </a:r>
             <a:r>
               <a:rPr lang="en-US" sz="6000" b="1" dirty="0" smtClean="0">
@@ -6271,6 +6329,7 @@
               <a:rPr lang="en-US" sz="6000" dirty="0" smtClean="0"/>
               <a:t> </a:t>
             </a:r>
+            <a:endParaRPr lang="en-US" sz="6000" dirty="0" smtClean="0"/>
           </a:p>
           <a:p>
             <a:pPr eaLnBrk="1" hangingPunct="1">
@@ -6316,7 +6375,11 @@
             </a:r>
             <a:r>
               <a:rPr lang="en-US" sz="6000" dirty="0" err="1" smtClean="0"/>
-              <a:t>Pr{</a:t>
+              <a:t>Pr</a:t>
+            </a:r>
+            <a:r>
+              <a:rPr lang="en-US" sz="6000" dirty="0" smtClean="0"/>
+              <a:t>[</a:t>
             </a:r>
             <a:r>
               <a:rPr lang="en-US" sz="6000" dirty="0" err="1" smtClean="0">
@@ -6356,8 +6419,9 @@
             </a:r>
             <a:r>
               <a:rPr lang="en-US" sz="6000" dirty="0" smtClean="0"/>
-              <a:t>}</a:t>
-            </a:r>
+              <a:t>]</a:t>
+            </a:r>
+            <a:endParaRPr lang="en-US" sz="6000" dirty="0" smtClean="0"/>
           </a:p>
         </p:txBody>
       </p:sp>
@@ -6419,7 +6483,7 @@
                                     </p:set>
                                     <p:animEffect transition="in" filter="wipe(left)">
                                       <p:cBhvr>
-                                        <p:cTn id="7" dur="500"/>
+                                        <p:cTn id="7" dur="1000"/>
                                         <p:tgtEl>
                                           <p:spTgt spid="149507">
                                             <p:txEl>
@@ -6438,7 +6502,7 @@
                         <p:par>
                           <p:cTn id="8" fill="hold">
                             <p:stCondLst>
-                              <p:cond delay="500"/>
+                              <p:cond delay="1000"/>
                             </p:stCondLst>
                             <p:childTnLst>
                               <p:par>
@@ -6471,7 +6535,7 @@
                                     </p:set>
                                     <p:animEffect transition="in" filter="wipe(left)">
                                       <p:cBhvr>
-                                        <p:cTn id="11" dur="500"/>
+                                        <p:cTn id="11" dur="1000"/>
                                         <p:tgtEl>
                                           <p:spTgt spid="149507">
                                             <p:txEl>
@@ -6532,7 +6596,7 @@
                                     </p:set>
                                     <p:animEffect transition="in" filter="wipe(left)">
                                       <p:cBhvr>
-                                        <p:cTn id="16" dur="500"/>
+                                        <p:cTn id="16" dur="1000"/>
                                         <p:tgtEl>
                                           <p:spTgt spid="149507">
                                             <p:txEl>
@@ -6551,7 +6615,7 @@
                         <p:par>
                           <p:cTn id="17" fill="hold">
                             <p:stCondLst>
-                              <p:cond delay="500"/>
+                              <p:cond delay="1000"/>
                             </p:stCondLst>
                             <p:childTnLst>
                               <p:par>
@@ -6584,7 +6648,7 @@
                                     </p:set>
                                     <p:animEffect transition="in" filter="wipe(left)">
                                       <p:cBhvr>
-                                        <p:cTn id="20" dur="500"/>
+                                        <p:cTn id="20" dur="1000"/>
                                         <p:tgtEl>
                                           <p:spTgt spid="149507">
                                             <p:txEl>
@@ -6838,11 +6902,7 @@
             </a:r>
             <a:r>
               <a:rPr lang="en-US" sz="6000" dirty="0" smtClean="0"/>
-              <a:t>-way </a:t>
-            </a:r>
-            <a:r>
-              <a:rPr lang="en-US" sz="6000" dirty="0" smtClean="0"/>
-              <a:t>is called </a:t>
+              <a:t>-way is called </a:t>
             </a:r>
             <a:r>
               <a:rPr lang="en-US" sz="6000" dirty="0" smtClean="0">
@@ -6860,13 +6920,13 @@
   <p:clrMapOvr>
     <a:masterClrMapping/>
   </p:clrMapOvr>
-  <mc:AlternateContent xmlns:mc="http://schemas.openxmlformats.org/markup-compatibility/2006">
-    <mc:Choice xmlns:p14="http://schemas.microsoft.com/office/powerpoint/2010/main" Requires="p14">
+  <mc:AlternateContent xmlns:mc="http://schemas.openxmlformats.org/markup-compatibility/2006" xmlns:p14="http://schemas.microsoft.com/office/powerpoint/2010/main">
+    <mc:Choice Requires="p14">
       <p:transition spd="slow" p14:dur="900" advClick="0">
         <p:fade thruBlk="1"/>
       </p:transition>
     </mc:Choice>
-    <mc:Fallback>
+    <mc:Fallback xmlns="">
       <p:transition xmlns:p14="http://schemas.microsoft.com/office/powerpoint/2010/main" spd="slow" advClick="0">
         <p:fade thruBlk="1"/>
       </p:transition>
@@ -6893,7 +6953,7 @@
                             </p:stCondLst>
                             <p:childTnLst>
                               <p:par>
-                                <p:cTn id="5" presetID="9" presetClass="entr" presetSubtype="0" fill="hold" nodeType="clickEffect">
+                                <p:cTn id="5" presetID="10" presetClass="entr" presetSubtype="0" fill="hold" nodeType="clickEffect">
                                   <p:stCondLst>
                                     <p:cond delay="0"/>
                                   </p:stCondLst>
@@ -6920,7 +6980,7 @@
                                         <p:strVal val="visible"/>
                                       </p:to>
                                     </p:set>
-                                    <p:animEffect transition="in" filter="dissolve">
+                                    <p:animEffect transition="in" filter="fade">
                                       <p:cBhvr>
                                         <p:cTn id="7" dur="500"/>
                                         <p:tgtEl>
@@ -7488,7 +7548,7 @@
           <a:graphicData uri="http://schemas.openxmlformats.org/presentationml/2006/ole">
             <mc:AlternateContent xmlns:mc="http://schemas.openxmlformats.org/markup-compatibility/2006">
               <mc:Choice xmlns:v="urn:schemas-microsoft-com:vml" Requires="v">
-                <p:oleObj spid="_x0000_s1044" name="Equation" r:id="rId4" imgW="774700" imgH="292100" progId="Equation.DSMT4">
+                <p:oleObj spid="_x0000_s1047" name="Equation" r:id="rId4" imgW="774700" imgH="292100" progId="Equation.DSMT4">
                   <p:embed/>
                 </p:oleObj>
               </mc:Choice>
@@ -7630,7 +7690,7 @@
                                     </p:set>
                                     <p:animEffect transition="in" filter="wipe(left)">
                                       <p:cBhvr>
-                                        <p:cTn id="11" dur="500"/>
+                                        <p:cTn id="11" dur="1000"/>
                                         <p:tgtEl>
                                           <p:spTgt spid="150531">
                                             <p:txEl>
@@ -7662,7 +7722,7 @@
                             </p:stCondLst>
                             <p:childTnLst>
                               <p:par>
-                                <p:cTn id="14" presetID="9" presetClass="entr" presetSubtype="0" fill="hold" grpId="0" nodeType="clickEffect">
+                                <p:cTn id="14" presetID="10" presetClass="entr" presetSubtype="0" fill="hold" grpId="0" nodeType="clickEffect">
                                   <p:stCondLst>
                                     <p:cond delay="0"/>
                                   </p:stCondLst>
@@ -7689,7 +7749,7 @@
                                         <p:strVal val="visible"/>
                                       </p:to>
                                     </p:set>
-                                    <p:animEffect transition="in" filter="dissolve">
+                                    <p:animEffect transition="in" filter="fade">
                                       <p:cBhvr>
                                         <p:cTn id="16" dur="500"/>
                                         <p:tgtEl>
@@ -7723,7 +7783,7 @@
                             </p:stCondLst>
                             <p:childTnLst>
                               <p:par>
-                                <p:cTn id="19" presetID="9" presetClass="entr" presetSubtype="0" fill="hold" grpId="0" nodeType="clickEffect">
+                                <p:cTn id="19" presetID="10" presetClass="entr" presetSubtype="0" fill="hold" grpId="0" nodeType="clickEffect">
                                   <p:stCondLst>
                                     <p:cond delay="0"/>
                                   </p:stCondLst>
@@ -7750,7 +7810,7 @@
                                         <p:strVal val="visible"/>
                                       </p:to>
                                     </p:set>
-                                    <p:animEffect transition="in" filter="dissolve">
+                                    <p:animEffect transition="in" filter="fade">
                                       <p:cBhvr>
                                         <p:cTn id="21" dur="500"/>
                                         <p:tgtEl>
@@ -7784,7 +7844,7 @@
                             </p:stCondLst>
                             <p:childTnLst>
                               <p:par>
-                                <p:cTn id="24" presetID="9" presetClass="entr" presetSubtype="0" fill="hold" grpId="0" nodeType="clickEffect">
+                                <p:cTn id="24" presetID="10" presetClass="entr" presetSubtype="0" fill="hold" grpId="0" nodeType="clickEffect">
                                   <p:stCondLst>
                                     <p:cond delay="0"/>
                                   </p:stCondLst>
@@ -7811,7 +7871,7 @@
                                         <p:strVal val="visible"/>
                                       </p:to>
                                     </p:set>
-                                    <p:animEffect transition="in" filter="dissolve">
+                                    <p:animEffect transition="in" filter="fade">
                                       <p:cBhvr>
                                         <p:cTn id="26" dur="500"/>
                                         <p:tgtEl>
@@ -7827,7 +7887,7 @@
                                 </p:cTn>
                               </p:par>
                               <p:par>
-                                <p:cTn id="27" presetID="9" presetClass="entr" presetSubtype="0" fill="hold" grpId="0" nodeType="withEffect">
+                                <p:cTn id="27" presetID="10" presetClass="entr" presetSubtype="0" fill="hold" grpId="0" nodeType="withEffect">
                                   <p:stCondLst>
                                     <p:cond delay="0"/>
                                   </p:stCondLst>
@@ -7854,7 +7914,7 @@
                                         <p:strVal val="visible"/>
                                       </p:to>
                                     </p:set>
-                                    <p:animEffect transition="in" filter="dissolve">
+                                    <p:animEffect transition="in" filter="fade">
                                       <p:cBhvr>
                                         <p:cTn id="29" dur="500"/>
                                         <p:tgtEl>
@@ -8150,8 +8210,8 @@
         </p:nvSpPr>
         <p:spPr>
           <a:xfrm>
-            <a:off x="7950194" y="6600092"/>
-            <a:ext cx="1125415" cy="257907"/>
+            <a:off x="7378700" y="6604000"/>
+            <a:ext cx="1696909" cy="215899"/>
           </a:xfrm>
           <a:prstGeom prst="rect">
             <a:avLst/>
@@ -8630,7 +8690,7 @@
       </p:sp>
       <p:sp>
         <p:nvSpPr>
-          <p:cNvPr id="4" name="Slide Number Placeholder 3"/>
+          <p:cNvPr id="5" name="Slide Number Placeholder 3"/>
           <p:cNvSpPr>
             <a:spLocks noGrp="1"/>
           </p:cNvSpPr>
@@ -8640,8 +8700,8 @@
         </p:nvSpPr>
         <p:spPr>
           <a:xfrm>
-            <a:off x="7950194" y="6600092"/>
-            <a:ext cx="1125415" cy="257907"/>
+            <a:off x="7378700" y="6604000"/>
+            <a:ext cx="1696909" cy="215899"/>
           </a:xfrm>
           <a:prstGeom prst="rect">
             <a:avLst/>
@@ -8757,7 +8817,7 @@
                                     </p:set>
                                     <p:animEffect transition="in" filter="wipe(up)">
                                       <p:cBhvr>
-                                        <p:cTn id="7" dur="500"/>
+                                        <p:cTn id="7" dur="1000"/>
                                         <p:tgtEl>
                                           <p:spTgt spid="3">
                                             <p:txEl>
@@ -8776,7 +8836,7 @@
                         <p:par>
                           <p:cTn id="8" fill="hold">
                             <p:stCondLst>
-                              <p:cond delay="500"/>
+                              <p:cond delay="1000"/>
                             </p:stCondLst>
                             <p:childTnLst>
                               <p:par>
@@ -8809,7 +8869,7 @@
                                     </p:set>
                                     <p:animEffect transition="in" filter="wipe(up)">
                                       <p:cBhvr>
-                                        <p:cTn id="11" dur="500"/>
+                                        <p:cTn id="11" dur="1000"/>
                                         <p:tgtEl>
                                           <p:spTgt spid="3">
                                             <p:txEl>
@@ -9184,7 +9244,7 @@
       </p:sp>
       <p:sp>
         <p:nvSpPr>
-          <p:cNvPr id="4" name="Slide Number Placeholder 3"/>
+          <p:cNvPr id="5" name="Slide Number Placeholder 3"/>
           <p:cNvSpPr>
             <a:spLocks noGrp="1"/>
           </p:cNvSpPr>
@@ -9194,8 +9254,8 @@
         </p:nvSpPr>
         <p:spPr>
           <a:xfrm>
-            <a:off x="7950194" y="6600092"/>
-            <a:ext cx="1125415" cy="257907"/>
+            <a:off x="7378700" y="6604000"/>
+            <a:ext cx="1696909" cy="215899"/>
           </a:xfrm>
           <a:prstGeom prst="rect">
             <a:avLst/>
